--- a/OOPProject_Presentation_Huỳnh_Học Lâm_Nguyễn Thanh Phong_Hà Minh Khoa.pptx
+++ b/OOPProject_Presentation_Huỳnh_Học Lâm_Nguyễn Thanh Phong_Hà Minh Khoa.pptx
@@ -3890,7 +3890,7 @@
             </a:r>
             <a:r>
               <a:rPr lang="en-US" dirty="0"/>
-              <a:t> Programming:</a:t>
+              <a:t> Programming Project:</a:t>
             </a:r>
             <a:br>
               <a:rPr lang="en-US" dirty="0"/>
@@ -3938,7 +3938,7 @@
           <a:lstStyle/>
           <a:p>
             <a:r>
-              <a:rPr lang="en-US" sz="2600" dirty="0">
+              <a:rPr lang="en-US" sz="2600" b="1" u="sng" dirty="0">
                 <a:solidFill>
                   <a:schemeClr val="bg2"/>
                 </a:solidFill>
@@ -4020,7 +4020,7 @@
           </a:p>
           <a:p>
             <a:r>
-              <a:rPr lang="en-US" sz="2600" dirty="0" err="1">
+              <a:rPr lang="en-US" sz="2600" b="1" u="sng" dirty="0" err="1">
                 <a:solidFill>
                   <a:schemeClr val="bg2"/>
                 </a:solidFill>
@@ -4028,7 +4028,7 @@
               <a:t>Contributers</a:t>
             </a:r>
             <a:r>
-              <a:rPr lang="en-US" sz="2600" dirty="0">
+              <a:rPr lang="en-US" sz="2600" b="1" u="sng" dirty="0">
                 <a:solidFill>
                   <a:schemeClr val="bg2"/>
                 </a:solidFill>
@@ -4184,7 +4184,7 @@
           <a:lstStyle/>
           <a:p>
             <a:r>
-              <a:rPr lang="en-US" sz="2800" b="1" dirty="0">
+              <a:rPr lang="en-US" sz="2800" b="1" u="sng" dirty="0">
                 <a:ln w="10160">
                   <a:solidFill>
                     <a:schemeClr val="accent5"/>
@@ -4204,7 +4204,7 @@
               </a:rPr>
               <a:t>Main parts: </a:t>
             </a:r>
-            <a:endParaRPr lang="en-US" dirty="0">
+            <a:endParaRPr lang="en-US" u="sng" dirty="0">
               <a:solidFill>
                 <a:schemeClr val="tx1"/>
               </a:solidFill>
@@ -4253,7 +4253,7 @@
           <a:p>
             <a:pPr algn="ctr"/>
             <a:r>
-              <a:rPr lang="en-US" b="1" dirty="0"/>
+              <a:rPr lang="en-US" b="1" u="sng" dirty="0"/>
               <a:t>Map</a:t>
             </a:r>
           </a:p>
@@ -4300,7 +4300,7 @@
           <a:p>
             <a:pPr algn="ctr"/>
             <a:r>
-              <a:rPr lang="en-US" b="1" dirty="0"/>
+              <a:rPr lang="en-US" b="1" u="sng" dirty="0"/>
               <a:t>Enemies</a:t>
             </a:r>
           </a:p>
@@ -4347,10 +4347,10 @@
           <a:p>
             <a:pPr algn="ctr"/>
             <a:r>
-              <a:rPr lang="en-US" b="1" dirty="0" err="1"/>
+              <a:rPr lang="en-US" b="1" u="sng" dirty="0" err="1"/>
               <a:t>Megaman</a:t>
             </a:r>
-            <a:endParaRPr lang="en-US" b="1" dirty="0"/>
+            <a:endParaRPr lang="en-US" b="1" u="sng" dirty="0"/>
           </a:p>
         </p:txBody>
       </p:sp>
@@ -4567,7 +4567,7 @@
           <a:lstStyle/>
           <a:p>
             <a:r>
-              <a:rPr lang="en-US" sz="2800" b="1" dirty="0">
+              <a:rPr lang="en-US" sz="2800" b="1" u="sng" dirty="0">
                 <a:ln w="10160">
                   <a:solidFill>
                     <a:schemeClr val="accent5"/>
@@ -4587,7 +4587,7 @@
               </a:rPr>
               <a:t>Game functions:</a:t>
             </a:r>
-            <a:endParaRPr lang="en-US" dirty="0">
+            <a:endParaRPr lang="en-US" u="sng" dirty="0">
               <a:solidFill>
                 <a:schemeClr val="tx1"/>
               </a:solidFill>
@@ -4636,8 +4636,8 @@
           <a:p>
             <a:pPr algn="ctr"/>
             <a:r>
-              <a:rPr lang="en-US" dirty="0"/>
-              <a:t>Control the character moving through the mazes</a:t>
+              <a:rPr lang="en-US" b="1" dirty="0"/>
+              <a:t>Use left, right, up and down to move the main character through the map</a:t>
             </a:r>
           </a:p>
         </p:txBody>
@@ -4683,8 +4683,8 @@
           <a:p>
             <a:pPr algn="ctr"/>
             <a:r>
-              <a:rPr lang="en-US" dirty="0"/>
-              <a:t>Using gun to eliminate the enemies</a:t>
+              <a:rPr lang="en-US" b="1" dirty="0"/>
+              <a:t>Eliminate the enemies in your way</a:t>
             </a:r>
           </a:p>
         </p:txBody>
@@ -4730,8 +4730,8 @@
           <a:p>
             <a:pPr algn="ctr"/>
             <a:r>
-              <a:rPr lang="en-US" dirty="0"/>
-              <a:t>Shot enemies</a:t>
+              <a:rPr lang="en-US" b="1" dirty="0"/>
+              <a:t>Press x to shot enemies</a:t>
             </a:r>
           </a:p>
         </p:txBody>
@@ -4777,8 +4777,8 @@
           <a:p>
             <a:pPr algn="ctr"/>
             <a:r>
-              <a:rPr lang="en-US" dirty="0"/>
-              <a:t>Kill boss to win</a:t>
+              <a:rPr lang="en-US" b="1" dirty="0"/>
+              <a:t>Reach the final stage and defeat the boss to win the game</a:t>
             </a:r>
           </a:p>
         </p:txBody>
@@ -5032,7 +5032,7 @@
           <a:lstStyle/>
           <a:p>
             <a:r>
-              <a:rPr lang="en-US" sz="2800" b="1" dirty="0">
+              <a:rPr lang="en-US" sz="2800" b="1" u="sng" dirty="0">
                 <a:ln w="10160">
                   <a:solidFill>
                     <a:schemeClr val="accent5"/>
@@ -5052,7 +5052,7 @@
               </a:rPr>
               <a:t>Features:</a:t>
             </a:r>
-            <a:endParaRPr lang="en-US" dirty="0">
+            <a:endParaRPr lang="en-US" u="sng" dirty="0">
               <a:solidFill>
                 <a:schemeClr val="tx1"/>
               </a:solidFill>
@@ -5101,7 +5101,7 @@
           <a:p>
             <a:pPr algn="ctr"/>
             <a:r>
-              <a:rPr lang="en-US" dirty="0"/>
+              <a:rPr lang="en-US" b="1" dirty="0"/>
               <a:t>Multiple Enemies</a:t>
             </a:r>
           </a:p>
@@ -5148,7 +5148,7 @@
           <a:p>
             <a:pPr algn="ctr"/>
             <a:r>
-              <a:rPr lang="en-US" dirty="0"/>
+              <a:rPr lang="en-US" b="1" dirty="0"/>
               <a:t>Very hard</a:t>
             </a:r>
           </a:p>
@@ -5195,7 +5195,7 @@
           <a:p>
             <a:pPr algn="ctr"/>
             <a:r>
-              <a:rPr lang="en-US" dirty="0"/>
+              <a:rPr lang="en-US" b="1" dirty="0"/>
               <a:t>Tile based map</a:t>
             </a:r>
           </a:p>
@@ -5414,7 +5414,7 @@
           <a:lstStyle/>
           <a:p>
             <a:r>
-              <a:rPr lang="en-US" sz="2400" b="1" dirty="0">
+              <a:rPr lang="en-US" sz="2400" b="1" u="sng" dirty="0">
                 <a:ln w="10160">
                   <a:solidFill>
                     <a:schemeClr val="accent5"/>
@@ -5434,7 +5434,7 @@
               </a:rPr>
               <a:t>UML:</a:t>
             </a:r>
-            <a:endParaRPr lang="en-US" dirty="0"/>
+            <a:endParaRPr lang="en-US" u="sng" dirty="0"/>
           </a:p>
         </p:txBody>
       </p:sp>
@@ -5479,7 +5479,7 @@
           <a:p>
             <a:pPr algn="ctr"/>
             <a:r>
-              <a:rPr lang="en-US" sz="3000" dirty="0"/>
+              <a:rPr lang="en-US" sz="3000" b="1" dirty="0"/>
               <a:t>Now let’s have a look at UML Diagram</a:t>
             </a:r>
           </a:p>
@@ -5632,7 +5632,7 @@
         </p:blipFill>
         <p:spPr>
           <a:xfrm>
-            <a:off x="1" y="0"/>
+            <a:off x="0" y="0"/>
             <a:ext cx="12192000" cy="6858000"/>
           </a:xfrm>
           <a:prstGeom prst="rect">
